--- a/Presentation/Presentation Two/Presentation Two.pptx
+++ b/Presentation/Presentation Two/Presentation Two.pptx
@@ -5,7 +5,7 @@
     <p:sldMasterId id="2147483648" r:id="rId1"/>
   </p:sldMasterIdLst>
   <p:notesMasterIdLst>
-    <p:notesMasterId r:id="rId20"/>
+    <p:notesMasterId r:id="rId15"/>
   </p:notesMasterIdLst>
   <p:sldIdLst>
     <p:sldId id="256" r:id="rId2"/>
@@ -19,13 +19,8 @@
     <p:sldId id="276" r:id="rId10"/>
     <p:sldId id="274" r:id="rId11"/>
     <p:sldId id="277" r:id="rId12"/>
-    <p:sldId id="278" r:id="rId13"/>
-    <p:sldId id="280" r:id="rId14"/>
-    <p:sldId id="262" r:id="rId15"/>
-    <p:sldId id="272" r:id="rId16"/>
-    <p:sldId id="273" r:id="rId17"/>
-    <p:sldId id="267" r:id="rId18"/>
-    <p:sldId id="271" r:id="rId19"/>
+    <p:sldId id="267" r:id="rId13"/>
+    <p:sldId id="271" r:id="rId14"/>
   </p:sldIdLst>
   <p:sldSz cx="12192000" cy="6858000"/>
   <p:notesSz cx="6858000" cy="9144000"/>
@@ -747,90 +742,6 @@
     <p:extLst>
       <p:ext uri="{BB962C8B-B14F-4D97-AF65-F5344CB8AC3E}">
         <p14:creationId xmlns:p14="http://schemas.microsoft.com/office/powerpoint/2010/main" val="1288340206"/>
-      </p:ext>
-    </p:extLst>
-  </p:cSld>
-  <p:clrMapOvr>
-    <a:masterClrMapping/>
-  </p:clrMapOvr>
-</p:notes>
-</file>
-
-<file path=ppt/notesSlides/notesSlide4.xml><?xml version="1.0" encoding="utf-8"?>
-<p:notes xmlns:a="http://schemas.openxmlformats.org/drawingml/2006/main" xmlns:r="http://schemas.openxmlformats.org/officeDocument/2006/relationships" xmlns:p="http://schemas.openxmlformats.org/presentationml/2006/main">
-  <p:cSld>
-    <p:spTree>
-      <p:nvGrpSpPr>
-        <p:cNvPr id="1" name=""/>
-        <p:cNvGrpSpPr/>
-        <p:nvPr/>
-      </p:nvGrpSpPr>
-      <p:grpSpPr>
-        <a:xfrm>
-          <a:off x="0" y="0"/>
-          <a:ext cx="0" cy="0"/>
-          <a:chOff x="0" y="0"/>
-          <a:chExt cx="0" cy="0"/>
-        </a:xfrm>
-      </p:grpSpPr>
-      <p:sp>
-        <p:nvSpPr>
-          <p:cNvPr id="2" name="Slide Image Placeholder 1"/>
-          <p:cNvSpPr>
-            <a:spLocks noGrp="1" noRot="1" noChangeAspect="1"/>
-          </p:cNvSpPr>
-          <p:nvPr>
-            <p:ph type="sldImg"/>
-          </p:nvPr>
-        </p:nvSpPr>
-        <p:spPr/>
-      </p:sp>
-      <p:sp>
-        <p:nvSpPr>
-          <p:cNvPr id="3" name="Notes Placeholder 2"/>
-          <p:cNvSpPr>
-            <a:spLocks noGrp="1"/>
-          </p:cNvSpPr>
-          <p:nvPr>
-            <p:ph type="body" idx="1"/>
-          </p:nvPr>
-        </p:nvSpPr>
-        <p:spPr/>
-        <p:txBody>
-          <a:bodyPr/>
-          <a:lstStyle/>
-          <a:p>
-            <a:endParaRPr lang="en-US"/>
-          </a:p>
-        </p:txBody>
-      </p:sp>
-      <p:sp>
-        <p:nvSpPr>
-          <p:cNvPr id="4" name="Slide Number Placeholder 3"/>
-          <p:cNvSpPr>
-            <a:spLocks noGrp="1"/>
-          </p:cNvSpPr>
-          <p:nvPr>
-            <p:ph type="sldNum" sz="quarter" idx="10"/>
-          </p:nvPr>
-        </p:nvSpPr>
-        <p:spPr/>
-        <p:txBody>
-          <a:bodyPr/>
-          <a:lstStyle/>
-          <a:p>
-            <a:fld id="{7D90AB93-7EBB-40C3-AABE-B1527F40B7D6}" type="slidenum">
-              <a:rPr lang="en-US"/>
-              <a:t>14</a:t>
-            </a:fld>
-            <a:endParaRPr lang="en-US"/>
-          </a:p>
-        </p:txBody>
-      </p:sp>
-    </p:spTree>
-    <p:extLst>
-      <p:ext uri="{BB962C8B-B14F-4D97-AF65-F5344CB8AC3E}">
-        <p14:creationId xmlns:p14="http://schemas.microsoft.com/office/powerpoint/2010/main" val="2142388741"/>
       </p:ext>
     </p:extLst>
   </p:cSld>
@@ -8493,7 +8404,7 @@
           <a:p>
             <a:r>
               <a:rPr lang="en-US" sz="4000" dirty="0" smtClean="0"/>
-              <a:t>Hardware and Software</a:t>
+              <a:t>Second Testing Phase</a:t>
             </a:r>
             <a:endParaRPr lang="en-US" sz="4000" dirty="0"/>
           </a:p>
@@ -8515,37 +8426,6 @@
             <a:normAutofit/>
           </a:bodyPr>
           <a:lstStyle/>
-          <a:p>
-            <a:r>
-              <a:rPr lang="en-US" sz="2200" dirty="0" smtClean="0"/>
-              <a:t>Optimize for most prominent browser.</a:t>
-            </a:r>
-          </a:p>
-          <a:p>
-            <a:r>
-              <a:rPr lang="en-US" sz="2200" dirty="0" smtClean="0"/>
-              <a:t>Compatible with older versions. </a:t>
-            </a:r>
-            <a:endParaRPr lang="en-US" sz="2200" dirty="0"/>
-          </a:p>
-          <a:p>
-            <a:r>
-              <a:rPr lang="en-US" sz="2200" dirty="0" smtClean="0"/>
-              <a:t>Using HTML, CSS, JavaScript, PHP, MySQL</a:t>
-            </a:r>
-          </a:p>
-          <a:p>
-            <a:r>
-              <a:rPr lang="en-US" sz="2200" dirty="0" smtClean="0"/>
-              <a:t>MySQL Database</a:t>
-            </a:r>
-          </a:p>
-          <a:p>
-            <a:r>
-              <a:rPr lang="en-US" sz="2200" dirty="0" smtClean="0"/>
-              <a:t>Hosting site</a:t>
-            </a:r>
-          </a:p>
           <a:p>
             <a:endParaRPr lang="en-US" sz="2200" dirty="0"/>
           </a:p>
@@ -8607,7 +8487,7 @@
           <a:p>
             <a:r>
               <a:rPr lang="en-US" sz="4000" dirty="0" smtClean="0"/>
-              <a:t>Primary Requirements</a:t>
+              <a:t>Demonstration</a:t>
             </a:r>
             <a:endParaRPr lang="en-US" sz="4000" dirty="0"/>
           </a:p>
@@ -8629,34 +8509,6 @@
             <a:normAutofit/>
           </a:bodyPr>
           <a:lstStyle/>
-          <a:p>
-            <a:pPr fontAlgn="base"/>
-            <a:r>
-              <a:rPr lang="en-US" sz="2200" dirty="0"/>
-              <a:t>Storing user information in a database​</a:t>
-            </a:r>
-          </a:p>
-          <a:p>
-            <a:pPr fontAlgn="base"/>
-            <a:r>
-              <a:rPr lang="en-US" sz="2200" dirty="0"/>
-              <a:t>Creating an easy-to-navigate interface​</a:t>
-            </a:r>
-          </a:p>
-          <a:p>
-            <a:pPr fontAlgn="base"/>
-            <a:r>
-              <a:rPr lang="en-US" sz="2200" dirty="0"/>
-              <a:t>Creating a calendar for organizing activities​</a:t>
-            </a:r>
-          </a:p>
-          <a:p>
-            <a:pPr fontAlgn="base"/>
-            <a:r>
-              <a:rPr lang="en-US" sz="2200" dirty="0"/>
-              <a:t>Hosting the website on a server</a:t>
-            </a:r>
-          </a:p>
           <a:p>
             <a:endParaRPr lang="en-US" sz="2200" dirty="0"/>
           </a:p>
@@ -8718,931 +8570,6 @@
           <a:p>
             <a:r>
               <a:rPr lang="en-US" sz="4000" dirty="0" smtClean="0"/>
-              <a:t>Secondary Requirements</a:t>
-            </a:r>
-            <a:endParaRPr lang="en-US" sz="4000" dirty="0"/>
-          </a:p>
-        </p:txBody>
-      </p:sp>
-      <p:sp>
-        <p:nvSpPr>
-          <p:cNvPr id="3" name="Content Placeholder 2"/>
-          <p:cNvSpPr>
-            <a:spLocks noGrp="1"/>
-          </p:cNvSpPr>
-          <p:nvPr>
-            <p:ph idx="1"/>
-          </p:nvPr>
-        </p:nvSpPr>
-        <p:spPr/>
-        <p:txBody>
-          <a:bodyPr>
-            <a:normAutofit/>
-          </a:bodyPr>
-          <a:lstStyle/>
-          <a:p>
-            <a:pPr fontAlgn="base"/>
-            <a:r>
-              <a:rPr lang="en-US" sz="2200" dirty="0"/>
-              <a:t>Adding donations​</a:t>
-            </a:r>
-          </a:p>
-          <a:p>
-            <a:pPr fontAlgn="base"/>
-            <a:r>
-              <a:rPr lang="en-US" sz="2200" dirty="0"/>
-              <a:t>Translating the site for international users​</a:t>
-            </a:r>
-          </a:p>
-          <a:p>
-            <a:pPr fontAlgn="base"/>
-            <a:r>
-              <a:rPr lang="en-US" sz="2200" dirty="0"/>
-              <a:t>Finding potential volunteers​</a:t>
-            </a:r>
-          </a:p>
-          <a:p>
-            <a:pPr fontAlgn="base"/>
-            <a:r>
-              <a:rPr lang="en-US" sz="2200" dirty="0"/>
-              <a:t>Background checks</a:t>
-            </a:r>
-          </a:p>
-          <a:p>
-            <a:pPr marL="0" indent="0">
-              <a:buNone/>
-            </a:pPr>
-            <a:endParaRPr lang="en-US" sz="2200" dirty="0"/>
-          </a:p>
-        </p:txBody>
-      </p:sp>
-    </p:spTree>
-    <p:extLst>
-      <p:ext uri="{BB962C8B-B14F-4D97-AF65-F5344CB8AC3E}">
-        <p14:creationId xmlns:p14="http://schemas.microsoft.com/office/powerpoint/2010/main" val="3066709142"/>
-      </p:ext>
-    </p:extLst>
-  </p:cSld>
-  <p:clrMapOvr>
-    <a:masterClrMapping/>
-  </p:clrMapOvr>
-  <p:timing>
-    <p:tnLst>
-      <p:par>
-        <p:cTn id="1" dur="indefinite" restart="never" nodeType="tmRoot"/>
-      </p:par>
-    </p:tnLst>
-  </p:timing>
-</p:sld>
-</file>
-
-<file path=ppt/slides/slide13.xml><?xml version="1.0" encoding="utf-8"?>
-<p:sld xmlns:a="http://schemas.openxmlformats.org/drawingml/2006/main" xmlns:r="http://schemas.openxmlformats.org/officeDocument/2006/relationships" xmlns:p="http://schemas.openxmlformats.org/presentationml/2006/main">
-  <p:cSld>
-    <p:spTree>
-      <p:nvGrpSpPr>
-        <p:cNvPr id="1" name=""/>
-        <p:cNvGrpSpPr/>
-        <p:nvPr/>
-      </p:nvGrpSpPr>
-      <p:grpSpPr>
-        <a:xfrm>
-          <a:off x="0" y="0"/>
-          <a:ext cx="0" cy="0"/>
-          <a:chOff x="0" y="0"/>
-          <a:chExt cx="0" cy="0"/>
-        </a:xfrm>
-      </p:grpSpPr>
-      <p:sp>
-        <p:nvSpPr>
-          <p:cNvPr id="2" name="Title 1"/>
-          <p:cNvSpPr>
-            <a:spLocks noGrp="1"/>
-          </p:cNvSpPr>
-          <p:nvPr>
-            <p:ph type="title"/>
-          </p:nvPr>
-        </p:nvSpPr>
-        <p:spPr/>
-        <p:txBody>
-          <a:bodyPr>
-            <a:normAutofit/>
-          </a:bodyPr>
-          <a:lstStyle/>
-          <a:p>
-            <a:r>
-              <a:rPr lang="en-US" sz="4000" dirty="0" smtClean="0"/>
-              <a:t>Nonfunctional</a:t>
-            </a:r>
-            <a:endParaRPr lang="en-US" sz="4000" dirty="0"/>
-          </a:p>
-        </p:txBody>
-      </p:sp>
-      <p:sp>
-        <p:nvSpPr>
-          <p:cNvPr id="3" name="Content Placeholder 2"/>
-          <p:cNvSpPr>
-            <a:spLocks noGrp="1"/>
-          </p:cNvSpPr>
-          <p:nvPr>
-            <p:ph idx="1"/>
-          </p:nvPr>
-        </p:nvSpPr>
-        <p:spPr/>
-        <p:txBody>
-          <a:bodyPr>
-            <a:normAutofit/>
-          </a:bodyPr>
-          <a:lstStyle/>
-          <a:p>
-            <a:r>
-              <a:rPr lang="en-US" sz="2200" dirty="0" smtClean="0"/>
-              <a:t>Efficiency</a:t>
-            </a:r>
-          </a:p>
-          <a:p>
-            <a:r>
-              <a:rPr lang="en-US" sz="2200" dirty="0" smtClean="0"/>
-              <a:t>Reliability</a:t>
-            </a:r>
-          </a:p>
-          <a:p>
-            <a:r>
-              <a:rPr lang="en-US" sz="2200" dirty="0" smtClean="0"/>
-              <a:t>Portability</a:t>
-            </a:r>
-          </a:p>
-          <a:p>
-            <a:r>
-              <a:rPr lang="en-US" sz="2200" dirty="0" smtClean="0"/>
-              <a:t>Problem Size</a:t>
-            </a:r>
-            <a:endParaRPr lang="en-US" sz="2200" dirty="0"/>
-          </a:p>
-        </p:txBody>
-      </p:sp>
-    </p:spTree>
-    <p:extLst>
-      <p:ext uri="{BB962C8B-B14F-4D97-AF65-F5344CB8AC3E}">
-        <p14:creationId xmlns:p14="http://schemas.microsoft.com/office/powerpoint/2010/main" val="1412168553"/>
-      </p:ext>
-    </p:extLst>
-  </p:cSld>
-  <p:clrMapOvr>
-    <a:masterClrMapping/>
-  </p:clrMapOvr>
-  <p:timing>
-    <p:tnLst>
-      <p:par>
-        <p:cTn id="1" dur="indefinite" restart="never" nodeType="tmRoot"/>
-      </p:par>
-    </p:tnLst>
-  </p:timing>
-</p:sld>
-</file>
-
-<file path=ppt/slides/slide14.xml><?xml version="1.0" encoding="utf-8"?>
-<p:sld xmlns:a="http://schemas.openxmlformats.org/drawingml/2006/main" xmlns:r="http://schemas.openxmlformats.org/officeDocument/2006/relationships" xmlns:p="http://schemas.openxmlformats.org/presentationml/2006/main">
-  <p:cSld>
-    <p:spTree>
-      <p:nvGrpSpPr>
-        <p:cNvPr id="1" name=""/>
-        <p:cNvGrpSpPr/>
-        <p:nvPr/>
-      </p:nvGrpSpPr>
-      <p:grpSpPr>
-        <a:xfrm>
-          <a:off x="0" y="0"/>
-          <a:ext cx="0" cy="0"/>
-          <a:chOff x="0" y="0"/>
-          <a:chExt cx="0" cy="0"/>
-        </a:xfrm>
-      </p:grpSpPr>
-      <p:sp>
-        <p:nvSpPr>
-          <p:cNvPr id="2" name="Title 1"/>
-          <p:cNvSpPr>
-            <a:spLocks noGrp="1"/>
-          </p:cNvSpPr>
-          <p:nvPr>
-            <p:ph type="title"/>
-          </p:nvPr>
-        </p:nvSpPr>
-        <p:spPr/>
-        <p:txBody>
-          <a:bodyPr>
-            <a:normAutofit/>
-          </a:bodyPr>
-          <a:lstStyle/>
-          <a:p>
-            <a:r>
-              <a:rPr lang="en-US" sz="4000" dirty="0"/>
-              <a:t>Prototype</a:t>
-            </a:r>
-          </a:p>
-        </p:txBody>
-      </p:sp>
-      <p:sp>
-        <p:nvSpPr>
-          <p:cNvPr id="3" name="Content Placeholder 2"/>
-          <p:cNvSpPr>
-            <a:spLocks noGrp="1"/>
-          </p:cNvSpPr>
-          <p:nvPr>
-            <p:ph idx="1"/>
-          </p:nvPr>
-        </p:nvSpPr>
-        <p:spPr/>
-        <p:txBody>
-          <a:bodyPr/>
-          <a:lstStyle/>
-          <a:p>
-            <a:endParaRPr lang="en-US"/>
-          </a:p>
-        </p:txBody>
-      </p:sp>
-    </p:spTree>
-    <p:extLst>
-      <p:ext uri="{BB962C8B-B14F-4D97-AF65-F5344CB8AC3E}">
-        <p14:creationId xmlns:p14="http://schemas.microsoft.com/office/powerpoint/2010/main" val="2018556856"/>
-      </p:ext>
-    </p:extLst>
-  </p:cSld>
-  <p:clrMapOvr>
-    <a:masterClrMapping/>
-  </p:clrMapOvr>
-  <p:timing>
-    <p:tnLst>
-      <p:par>
-        <p:cTn id="1" dur="indefinite" restart="never" nodeType="tmRoot"/>
-      </p:par>
-    </p:tnLst>
-  </p:timing>
-</p:sld>
-</file>
-
-<file path=ppt/slides/slide15.xml><?xml version="1.0" encoding="utf-8"?>
-<p:sld xmlns:a="http://schemas.openxmlformats.org/drawingml/2006/main" xmlns:r="http://schemas.openxmlformats.org/officeDocument/2006/relationships" xmlns:p="http://schemas.openxmlformats.org/presentationml/2006/main">
-  <p:cSld>
-    <p:spTree>
-      <p:nvGrpSpPr>
-        <p:cNvPr id="1" name=""/>
-        <p:cNvGrpSpPr/>
-        <p:nvPr/>
-      </p:nvGrpSpPr>
-      <p:grpSpPr>
-        <a:xfrm>
-          <a:off x="0" y="0"/>
-          <a:ext cx="0" cy="0"/>
-          <a:chOff x="0" y="0"/>
-          <a:chExt cx="0" cy="0"/>
-        </a:xfrm>
-      </p:grpSpPr>
-      <p:sp>
-        <p:nvSpPr>
-          <p:cNvPr id="2" name="Title 1"/>
-          <p:cNvSpPr>
-            <a:spLocks noGrp="1"/>
-          </p:cNvSpPr>
-          <p:nvPr>
-            <p:ph type="title"/>
-          </p:nvPr>
-        </p:nvSpPr>
-        <p:spPr/>
-        <p:txBody>
-          <a:bodyPr>
-            <a:normAutofit/>
-          </a:bodyPr>
-          <a:lstStyle/>
-          <a:p>
-            <a:r>
-              <a:rPr lang="en-US" sz="4000" dirty="0" smtClean="0"/>
-              <a:t>QUALITY ASSURANCE</a:t>
-            </a:r>
-            <a:endParaRPr lang="en-US" sz="4000" dirty="0"/>
-          </a:p>
-        </p:txBody>
-      </p:sp>
-      <p:sp>
-        <p:nvSpPr>
-          <p:cNvPr id="3" name="Content Placeholder 2"/>
-          <p:cNvSpPr>
-            <a:spLocks noGrp="1"/>
-          </p:cNvSpPr>
-          <p:nvPr>
-            <p:ph idx="1"/>
-          </p:nvPr>
-        </p:nvSpPr>
-        <p:spPr/>
-        <p:txBody>
-          <a:bodyPr>
-            <a:normAutofit/>
-          </a:bodyPr>
-          <a:lstStyle/>
-          <a:p>
-            <a:r>
-              <a:rPr lang="en-US" sz="2200" dirty="0" smtClean="0"/>
-              <a:t>Bi-</a:t>
-            </a:r>
-            <a:r>
-              <a:rPr lang="en-US" sz="2200" dirty="0"/>
-              <a:t>w</a:t>
-            </a:r>
-            <a:r>
-              <a:rPr lang="en-US" sz="2200" dirty="0" smtClean="0"/>
-              <a:t>eekly discussions with client</a:t>
-            </a:r>
-          </a:p>
-          <a:p>
-            <a:pPr lvl="1"/>
-            <a:r>
-              <a:rPr lang="en-US" sz="2200" dirty="0" smtClean="0"/>
-              <a:t>Free reign on design</a:t>
-            </a:r>
-          </a:p>
-          <a:p>
-            <a:r>
-              <a:rPr lang="en-US" sz="2200" dirty="0" smtClean="0"/>
-              <a:t>Finished sections are put through QA in Trello</a:t>
-            </a:r>
-            <a:endParaRPr lang="en-US" sz="2200" dirty="0"/>
-          </a:p>
-          <a:p>
-            <a:r>
-              <a:rPr lang="en-US" sz="2200" dirty="0" smtClean="0"/>
-              <a:t>Testing with end-users for feedback</a:t>
-            </a:r>
-            <a:endParaRPr lang="en-US" sz="2200" dirty="0"/>
-          </a:p>
-        </p:txBody>
-      </p:sp>
-    </p:spTree>
-    <p:extLst>
-      <p:ext uri="{BB962C8B-B14F-4D97-AF65-F5344CB8AC3E}">
-        <p14:creationId xmlns:p14="http://schemas.microsoft.com/office/powerpoint/2010/main" val="3755474298"/>
-      </p:ext>
-    </p:extLst>
-  </p:cSld>
-  <p:clrMapOvr>
-    <a:masterClrMapping/>
-  </p:clrMapOvr>
-  <p:timing>
-    <p:tnLst>
-      <p:par>
-        <p:cTn id="1" dur="indefinite" restart="never" nodeType="tmRoot"/>
-      </p:par>
-    </p:tnLst>
-  </p:timing>
-</p:sld>
-</file>
-
-<file path=ppt/slides/slide16.xml><?xml version="1.0" encoding="utf-8"?>
-<p:sld xmlns:a="http://schemas.openxmlformats.org/drawingml/2006/main" xmlns:r="http://schemas.openxmlformats.org/officeDocument/2006/relationships" xmlns:p="http://schemas.openxmlformats.org/presentationml/2006/main">
-  <p:cSld>
-    <p:spTree>
-      <p:nvGrpSpPr>
-        <p:cNvPr id="1" name=""/>
-        <p:cNvGrpSpPr/>
-        <p:nvPr/>
-      </p:nvGrpSpPr>
-      <p:grpSpPr>
-        <a:xfrm>
-          <a:off x="0" y="0"/>
-          <a:ext cx="0" cy="0"/>
-          <a:chOff x="0" y="0"/>
-          <a:chExt cx="0" cy="0"/>
-        </a:xfrm>
-      </p:grpSpPr>
-      <p:sp>
-        <p:nvSpPr>
-          <p:cNvPr id="2" name="Title 1"/>
-          <p:cNvSpPr>
-            <a:spLocks noGrp="1"/>
-          </p:cNvSpPr>
-          <p:nvPr>
-            <p:ph type="title"/>
-          </p:nvPr>
-        </p:nvSpPr>
-        <p:spPr/>
-        <p:txBody>
-          <a:bodyPr>
-            <a:normAutofit/>
-          </a:bodyPr>
-          <a:lstStyle/>
-          <a:p>
-            <a:r>
-              <a:rPr lang="en-US" sz="4000" dirty="0" smtClean="0"/>
-              <a:t>Risk Analysis</a:t>
-            </a:r>
-            <a:endParaRPr lang="en-US" sz="4000" dirty="0"/>
-          </a:p>
-        </p:txBody>
-      </p:sp>
-      <p:graphicFrame>
-        <p:nvGraphicFramePr>
-          <p:cNvPr id="4" name="Content Placeholder 3"/>
-          <p:cNvGraphicFramePr>
-            <a:graphicFrameLocks noGrp="1"/>
-          </p:cNvGraphicFramePr>
-          <p:nvPr>
-            <p:ph idx="1"/>
-            <p:extLst>
-              <p:ext uri="{D42A27DB-BD31-4B8C-83A1-F6EECF244321}">
-                <p14:modId xmlns:p14="http://schemas.microsoft.com/office/powerpoint/2010/main" val="3195696863"/>
-              </p:ext>
-            </p:extLst>
-          </p:nvPr>
-        </p:nvGraphicFramePr>
-        <p:xfrm>
-          <a:off x="2589213" y="2133600"/>
-          <a:ext cx="7132320" cy="2595880"/>
-        </p:xfrm>
-        <a:graphic>
-          <a:graphicData uri="http://schemas.openxmlformats.org/drawingml/2006/table">
-            <a:tbl>
-              <a:tblPr firstRow="1" bandRow="1">
-                <a:tableStyleId>{5C22544A-7EE6-4342-B048-85BDC9FD1C3A}</a:tableStyleId>
-              </a:tblPr>
-              <a:tblGrid>
-                <a:gridCol w="2050520"/>
-                <a:gridCol w="1515640"/>
-                <a:gridCol w="1783080"/>
-                <a:gridCol w="1783080"/>
-              </a:tblGrid>
-              <a:tr h="370840">
-                <a:tc>
-                  <a:txBody>
-                    <a:bodyPr/>
-                    <a:lstStyle/>
-                    <a:p>
-                      <a:r>
-                        <a:rPr lang="en-US" dirty="0" smtClean="0"/>
-                        <a:t>Issue</a:t>
-                      </a:r>
-                      <a:endParaRPr lang="en-US" dirty="0"/>
-                    </a:p>
-                  </a:txBody>
-                  <a:tcPr/>
-                </a:tc>
-                <a:tc>
-                  <a:txBody>
-                    <a:bodyPr/>
-                    <a:lstStyle/>
-                    <a:p>
-                      <a:r>
-                        <a:rPr lang="en-US" dirty="0" smtClean="0"/>
-                        <a:t>Impact</a:t>
-                      </a:r>
-                      <a:endParaRPr lang="en-US" dirty="0"/>
-                    </a:p>
-                  </a:txBody>
-                  <a:tcPr/>
-                </a:tc>
-                <a:tc>
-                  <a:txBody>
-                    <a:bodyPr/>
-                    <a:lstStyle/>
-                    <a:p>
-                      <a:r>
-                        <a:rPr lang="en-US" dirty="0" smtClean="0"/>
-                        <a:t>Feasibility</a:t>
-                      </a:r>
-                      <a:endParaRPr lang="en-US" dirty="0"/>
-                    </a:p>
-                  </a:txBody>
-                  <a:tcPr/>
-                </a:tc>
-                <a:tc>
-                  <a:txBody>
-                    <a:bodyPr/>
-                    <a:lstStyle/>
-                    <a:p>
-                      <a:r>
-                        <a:rPr lang="en-US" dirty="0" smtClean="0"/>
-                        <a:t>Priority</a:t>
-                      </a:r>
-                      <a:endParaRPr lang="en-US" dirty="0"/>
-                    </a:p>
-                  </a:txBody>
-                  <a:tcPr/>
-                </a:tc>
-              </a:tr>
-              <a:tr h="370840">
-                <a:tc>
-                  <a:txBody>
-                    <a:bodyPr/>
-                    <a:lstStyle/>
-                    <a:p>
-                      <a:r>
-                        <a:rPr lang="en-US" dirty="0" smtClean="0"/>
-                        <a:t>Compatibility</a:t>
-                      </a:r>
-                      <a:endParaRPr lang="en-US" dirty="0"/>
-                    </a:p>
-                  </a:txBody>
-                  <a:tcPr/>
-                </a:tc>
-                <a:tc>
-                  <a:txBody>
-                    <a:bodyPr/>
-                    <a:lstStyle/>
-                    <a:p>
-                      <a:r>
-                        <a:rPr lang="en-US" dirty="0" smtClean="0"/>
-                        <a:t>HIGH</a:t>
-                      </a:r>
-                      <a:endParaRPr lang="en-US" dirty="0"/>
-                    </a:p>
-                  </a:txBody>
-                  <a:tcPr/>
-                </a:tc>
-                <a:tc>
-                  <a:txBody>
-                    <a:bodyPr/>
-                    <a:lstStyle/>
-                    <a:p>
-                      <a:r>
-                        <a:rPr lang="en-US" dirty="0" smtClean="0"/>
-                        <a:t>HIGH</a:t>
-                      </a:r>
-                      <a:endParaRPr lang="en-US" dirty="0"/>
-                    </a:p>
-                  </a:txBody>
-                  <a:tcPr/>
-                </a:tc>
-                <a:tc>
-                  <a:txBody>
-                    <a:bodyPr/>
-                    <a:lstStyle/>
-                    <a:p>
-                      <a:r>
-                        <a:rPr lang="en-US" dirty="0" smtClean="0"/>
-                        <a:t>HIGH</a:t>
-                      </a:r>
-                      <a:endParaRPr lang="en-US" dirty="0"/>
-                    </a:p>
-                  </a:txBody>
-                  <a:tcPr/>
-                </a:tc>
-              </a:tr>
-              <a:tr h="370840">
-                <a:tc>
-                  <a:txBody>
-                    <a:bodyPr/>
-                    <a:lstStyle/>
-                    <a:p>
-                      <a:r>
-                        <a:rPr lang="en-US" dirty="0" smtClean="0"/>
-                        <a:t>Readable Text</a:t>
-                      </a:r>
-                      <a:endParaRPr lang="en-US" dirty="0"/>
-                    </a:p>
-                  </a:txBody>
-                  <a:tcPr/>
-                </a:tc>
-                <a:tc>
-                  <a:txBody>
-                    <a:bodyPr/>
-                    <a:lstStyle/>
-                    <a:p>
-                      <a:r>
-                        <a:rPr lang="en-US" dirty="0" smtClean="0"/>
-                        <a:t>HIGH</a:t>
-                      </a:r>
-                      <a:endParaRPr lang="en-US" dirty="0"/>
-                    </a:p>
-                  </a:txBody>
-                  <a:tcPr/>
-                </a:tc>
-                <a:tc>
-                  <a:txBody>
-                    <a:bodyPr/>
-                    <a:lstStyle/>
-                    <a:p>
-                      <a:r>
-                        <a:rPr lang="en-US" dirty="0" smtClean="0"/>
-                        <a:t>HIGH</a:t>
-                      </a:r>
-                      <a:endParaRPr lang="en-US" dirty="0"/>
-                    </a:p>
-                  </a:txBody>
-                  <a:tcPr/>
-                </a:tc>
-                <a:tc>
-                  <a:txBody>
-                    <a:bodyPr/>
-                    <a:lstStyle/>
-                    <a:p>
-                      <a:r>
-                        <a:rPr lang="en-US" dirty="0" smtClean="0"/>
-                        <a:t>HIGH</a:t>
-                      </a:r>
-                      <a:endParaRPr lang="en-US" dirty="0"/>
-                    </a:p>
-                  </a:txBody>
-                  <a:tcPr/>
-                </a:tc>
-              </a:tr>
-              <a:tr h="370840">
-                <a:tc>
-                  <a:txBody>
-                    <a:bodyPr/>
-                    <a:lstStyle/>
-                    <a:p>
-                      <a:r>
-                        <a:rPr lang="en-US" dirty="0" smtClean="0"/>
-                        <a:t>Volunteers</a:t>
-                      </a:r>
-                      <a:endParaRPr lang="en-US" dirty="0"/>
-                    </a:p>
-                  </a:txBody>
-                  <a:tcPr/>
-                </a:tc>
-                <a:tc>
-                  <a:txBody>
-                    <a:bodyPr/>
-                    <a:lstStyle/>
-                    <a:p>
-                      <a:r>
-                        <a:rPr lang="en-US" dirty="0" smtClean="0"/>
-                        <a:t>HIGH</a:t>
-                      </a:r>
-                      <a:endParaRPr lang="en-US" dirty="0"/>
-                    </a:p>
-                  </a:txBody>
-                  <a:tcPr/>
-                </a:tc>
-                <a:tc>
-                  <a:txBody>
-                    <a:bodyPr/>
-                    <a:lstStyle/>
-                    <a:p>
-                      <a:r>
-                        <a:rPr lang="en-US" dirty="0" smtClean="0"/>
-                        <a:t>MED</a:t>
-                      </a:r>
-                      <a:endParaRPr lang="en-US" dirty="0"/>
-                    </a:p>
-                  </a:txBody>
-                  <a:tcPr/>
-                </a:tc>
-                <a:tc>
-                  <a:txBody>
-                    <a:bodyPr/>
-                    <a:lstStyle/>
-                    <a:p>
-                      <a:r>
-                        <a:rPr lang="en-US" dirty="0" smtClean="0"/>
-                        <a:t>MED</a:t>
-                      </a:r>
-                      <a:endParaRPr lang="en-US" dirty="0"/>
-                    </a:p>
-                  </a:txBody>
-                  <a:tcPr/>
-                </a:tc>
-              </a:tr>
-              <a:tr h="370840">
-                <a:tc>
-                  <a:txBody>
-                    <a:bodyPr/>
-                    <a:lstStyle/>
-                    <a:p>
-                      <a:r>
-                        <a:rPr lang="en-US" dirty="0" smtClean="0"/>
-                        <a:t>Share</a:t>
-                      </a:r>
-                      <a:r>
-                        <a:rPr lang="en-US" baseline="0" dirty="0" smtClean="0"/>
-                        <a:t> Photos</a:t>
-                      </a:r>
-                      <a:endParaRPr lang="en-US" dirty="0"/>
-                    </a:p>
-                  </a:txBody>
-                  <a:tcPr/>
-                </a:tc>
-                <a:tc>
-                  <a:txBody>
-                    <a:bodyPr/>
-                    <a:lstStyle/>
-                    <a:p>
-                      <a:r>
-                        <a:rPr lang="en-US" dirty="0" smtClean="0"/>
-                        <a:t>MED</a:t>
-                      </a:r>
-                      <a:endParaRPr lang="en-US" dirty="0"/>
-                    </a:p>
-                  </a:txBody>
-                  <a:tcPr/>
-                </a:tc>
-                <a:tc>
-                  <a:txBody>
-                    <a:bodyPr/>
-                    <a:lstStyle/>
-                    <a:p>
-                      <a:r>
-                        <a:rPr lang="en-US" dirty="0" smtClean="0"/>
-                        <a:t>HIGH</a:t>
-                      </a:r>
-                      <a:endParaRPr lang="en-US" dirty="0"/>
-                    </a:p>
-                  </a:txBody>
-                  <a:tcPr/>
-                </a:tc>
-                <a:tc>
-                  <a:txBody>
-                    <a:bodyPr/>
-                    <a:lstStyle/>
-                    <a:p>
-                      <a:r>
-                        <a:rPr lang="en-US" dirty="0" smtClean="0"/>
-                        <a:t>HIGH</a:t>
-                      </a:r>
-                      <a:endParaRPr lang="en-US" dirty="0"/>
-                    </a:p>
-                  </a:txBody>
-                  <a:tcPr/>
-                </a:tc>
-              </a:tr>
-              <a:tr h="370840">
-                <a:tc>
-                  <a:txBody>
-                    <a:bodyPr/>
-                    <a:lstStyle/>
-                    <a:p>
-                      <a:r>
-                        <a:rPr lang="en-US" dirty="0" smtClean="0"/>
-                        <a:t>Paid</a:t>
-                      </a:r>
-                      <a:r>
-                        <a:rPr lang="en-US" baseline="0" dirty="0" smtClean="0"/>
-                        <a:t> Option</a:t>
-                      </a:r>
-                      <a:endParaRPr lang="en-US" dirty="0"/>
-                    </a:p>
-                  </a:txBody>
-                  <a:tcPr/>
-                </a:tc>
-                <a:tc>
-                  <a:txBody>
-                    <a:bodyPr/>
-                    <a:lstStyle/>
-                    <a:p>
-                      <a:r>
-                        <a:rPr lang="en-US" dirty="0" smtClean="0"/>
-                        <a:t>LOW</a:t>
-                      </a:r>
-                      <a:endParaRPr lang="en-US" dirty="0"/>
-                    </a:p>
-                  </a:txBody>
-                  <a:tcPr/>
-                </a:tc>
-                <a:tc>
-                  <a:txBody>
-                    <a:bodyPr/>
-                    <a:lstStyle/>
-                    <a:p>
-                      <a:r>
-                        <a:rPr lang="en-US" dirty="0" smtClean="0"/>
-                        <a:t>MED</a:t>
-                      </a:r>
-                      <a:endParaRPr lang="en-US" dirty="0"/>
-                    </a:p>
-                  </a:txBody>
-                  <a:tcPr/>
-                </a:tc>
-                <a:tc>
-                  <a:txBody>
-                    <a:bodyPr/>
-                    <a:lstStyle/>
-                    <a:p>
-                      <a:r>
-                        <a:rPr lang="en-US" dirty="0" smtClean="0"/>
-                        <a:t>LOW</a:t>
-                      </a:r>
-                      <a:endParaRPr lang="en-US" dirty="0"/>
-                    </a:p>
-                  </a:txBody>
-                  <a:tcPr/>
-                </a:tc>
-              </a:tr>
-              <a:tr h="370840">
-                <a:tc>
-                  <a:txBody>
-                    <a:bodyPr/>
-                    <a:lstStyle/>
-                    <a:p>
-                      <a:r>
-                        <a:rPr lang="en-US" dirty="0" smtClean="0"/>
-                        <a:t>Languages</a:t>
-                      </a:r>
-                      <a:endParaRPr lang="en-US" dirty="0"/>
-                    </a:p>
-                  </a:txBody>
-                  <a:tcPr/>
-                </a:tc>
-                <a:tc>
-                  <a:txBody>
-                    <a:bodyPr/>
-                    <a:lstStyle/>
-                    <a:p>
-                      <a:r>
-                        <a:rPr lang="en-US" dirty="0" smtClean="0"/>
-                        <a:t>LOW</a:t>
-                      </a:r>
-                      <a:endParaRPr lang="en-US" dirty="0"/>
-                    </a:p>
-                  </a:txBody>
-                  <a:tcPr/>
-                </a:tc>
-                <a:tc>
-                  <a:txBody>
-                    <a:bodyPr/>
-                    <a:lstStyle/>
-                    <a:p>
-                      <a:r>
-                        <a:rPr lang="en-US" dirty="0" smtClean="0"/>
-                        <a:t>LOW</a:t>
-                      </a:r>
-                      <a:endParaRPr lang="en-US" dirty="0"/>
-                    </a:p>
-                  </a:txBody>
-                  <a:tcPr/>
-                </a:tc>
-                <a:tc>
-                  <a:txBody>
-                    <a:bodyPr/>
-                    <a:lstStyle/>
-                    <a:p>
-                      <a:r>
-                        <a:rPr lang="en-US" dirty="0" smtClean="0"/>
-                        <a:t>LOW</a:t>
-                      </a:r>
-                      <a:endParaRPr lang="en-US" dirty="0"/>
-                    </a:p>
-                  </a:txBody>
-                  <a:tcPr/>
-                </a:tc>
-              </a:tr>
-            </a:tbl>
-          </a:graphicData>
-        </a:graphic>
-      </p:graphicFrame>
-    </p:spTree>
-    <p:extLst>
-      <p:ext uri="{BB962C8B-B14F-4D97-AF65-F5344CB8AC3E}">
-        <p14:creationId xmlns:p14="http://schemas.microsoft.com/office/powerpoint/2010/main" val="3968799973"/>
-      </p:ext>
-    </p:extLst>
-  </p:cSld>
-  <p:clrMapOvr>
-    <a:masterClrMapping/>
-  </p:clrMapOvr>
-  <p:timing>
-    <p:tnLst>
-      <p:par>
-        <p:cTn id="1" dur="indefinite" restart="never" nodeType="tmRoot"/>
-      </p:par>
-    </p:tnLst>
-  </p:timing>
-</p:sld>
-</file>
-
-<file path=ppt/slides/slide17.xml><?xml version="1.0" encoding="utf-8"?>
-<p:sld xmlns:a="http://schemas.openxmlformats.org/drawingml/2006/main" xmlns:r="http://schemas.openxmlformats.org/officeDocument/2006/relationships" xmlns:p="http://schemas.openxmlformats.org/presentationml/2006/main">
-  <p:cSld>
-    <p:spTree>
-      <p:nvGrpSpPr>
-        <p:cNvPr id="1" name=""/>
-        <p:cNvGrpSpPr/>
-        <p:nvPr/>
-      </p:nvGrpSpPr>
-      <p:grpSpPr>
-        <a:xfrm>
-          <a:off x="0" y="0"/>
-          <a:ext cx="0" cy="0"/>
-          <a:chOff x="0" y="0"/>
-          <a:chExt cx="0" cy="0"/>
-        </a:xfrm>
-      </p:grpSpPr>
-      <p:sp>
-        <p:nvSpPr>
-          <p:cNvPr id="2" name="Title 1"/>
-          <p:cNvSpPr>
-            <a:spLocks noGrp="1"/>
-          </p:cNvSpPr>
-          <p:nvPr>
-            <p:ph type="title"/>
-          </p:nvPr>
-        </p:nvSpPr>
-        <p:spPr/>
-        <p:txBody>
-          <a:bodyPr>
-            <a:normAutofit/>
-          </a:bodyPr>
-          <a:lstStyle/>
-          <a:p>
-            <a:r>
-              <a:rPr lang="en-US" sz="4000" dirty="0" smtClean="0"/>
               <a:t>Conclusion</a:t>
             </a:r>
             <a:endParaRPr lang="en-US" sz="4000" dirty="0"/>
@@ -9741,7 +8668,7 @@
 </p:sld>
 </file>
 
-<file path=ppt/slides/slide18.xml><?xml version="1.0" encoding="utf-8"?>
+<file path=ppt/slides/slide13.xml><?xml version="1.0" encoding="utf-8"?>
 <p:sld xmlns:a="http://schemas.openxmlformats.org/drawingml/2006/main" xmlns:r="http://schemas.openxmlformats.org/officeDocument/2006/relationships" xmlns:p="http://schemas.openxmlformats.org/presentationml/2006/main">
   <p:cSld>
     <p:spTree>
@@ -9869,25 +8796,44 @@
           <a:p>
             <a:r>
               <a:rPr lang="en-US" sz="2200" dirty="0" smtClean="0"/>
-              <a:t>Colin Harrison: Scrum Master/QA</a:t>
-            </a:r>
-          </a:p>
-          <a:p>
+              <a:t>Colin Harrison: </a:t>
+            </a:r>
             <a:r>
               <a:rPr lang="en-US" sz="2200" dirty="0" smtClean="0"/>
-              <a:t>Christian McMurtrie: Documentation/Dev</a:t>
-            </a:r>
+              <a:t>Documentation/Dev</a:t>
+            </a:r>
+            <a:endParaRPr lang="en-US" sz="2200" dirty="0" smtClean="0"/>
           </a:p>
           <a:p>
             <a:r>
               <a:rPr lang="en-US" sz="2200" dirty="0" smtClean="0"/>
-              <a:t>Tim Nakhisa: Research/Dev</a:t>
-            </a:r>
-          </a:p>
-          <a:p>
+              <a:t>Christian McMurtrie: </a:t>
+            </a:r>
             <a:r>
               <a:rPr lang="en-US" sz="2200" dirty="0" smtClean="0"/>
-              <a:t>Zac Rivera: Version Control Systems Manager/Dev</a:t>
+              <a:t>Research/Dev</a:t>
+            </a:r>
+            <a:endParaRPr lang="en-US" sz="2200" dirty="0" smtClean="0"/>
+          </a:p>
+          <a:p>
+            <a:r>
+              <a:rPr lang="en-US" sz="2200" dirty="0" smtClean="0"/>
+              <a:t>Tim Nakhisa: </a:t>
+            </a:r>
+            <a:r>
+              <a:rPr lang="en-US" sz="2200" dirty="0" smtClean="0"/>
+              <a:t>Version Control Manager/Dev</a:t>
+            </a:r>
+            <a:endParaRPr lang="en-US" sz="2200" dirty="0" smtClean="0"/>
+          </a:p>
+          <a:p>
+            <a:r>
+              <a:rPr lang="en-US" sz="2200" dirty="0" smtClean="0"/>
+              <a:t>Zac Rivera: </a:t>
+            </a:r>
+            <a:r>
+              <a:rPr lang="en-US" sz="2200" dirty="0" smtClean="0"/>
+              <a:t>Scrum Master/QA</a:t>
             </a:r>
             <a:endParaRPr lang="en-US" sz="2200" dirty="0"/>
           </a:p>
@@ -9948,12 +8894,9 @@
           <a:lstStyle/>
           <a:p>
             <a:r>
-              <a:rPr lang="en-US" sz="4000" dirty="0"/>
-              <a:t>Project Schedule</a:t>
-            </a:r>
-            <a:br>
-              <a:rPr lang="en-US" sz="4000" dirty="0"/>
-            </a:br>
+              <a:rPr lang="en-US" sz="4000" dirty="0" smtClean="0"/>
+              <a:t>Real World Application</a:t>
+            </a:r>
             <a:endParaRPr lang="en-US" sz="4000" dirty="0"/>
           </a:p>
         </p:txBody>
@@ -9974,62 +8917,6 @@
             <a:normAutofit/>
           </a:bodyPr>
           <a:lstStyle/>
-          <a:p>
-            <a:pPr lvl="1"/>
-            <a:r>
-              <a:rPr lang="en-US" sz="2200" dirty="0" smtClean="0"/>
-              <a:t>Reach </a:t>
-            </a:r>
-            <a:r>
-              <a:rPr lang="en-US" sz="2200" dirty="0"/>
-              <a:t>new milestones each 2-week </a:t>
-            </a:r>
-            <a:r>
-              <a:rPr lang="en-US" sz="2200" dirty="0" smtClean="0"/>
-              <a:t>sprint</a:t>
-            </a:r>
-          </a:p>
-          <a:p>
-            <a:pPr lvl="2"/>
-            <a:r>
-              <a:rPr lang="en-US" sz="2200" dirty="0" smtClean="0"/>
-              <a:t>Review and plan after each sprint</a:t>
-            </a:r>
-            <a:endParaRPr lang="en-US" sz="2200" dirty="0"/>
-          </a:p>
-          <a:p>
-            <a:pPr lvl="1"/>
-            <a:r>
-              <a:rPr lang="en-US" sz="2200" dirty="0"/>
-              <a:t>SCRUM </a:t>
-            </a:r>
-            <a:r>
-              <a:rPr lang="en-US" sz="2200" dirty="0" smtClean="0"/>
-              <a:t>meetings, </a:t>
-            </a:r>
-            <a:r>
-              <a:rPr lang="en-US" sz="2200" dirty="0"/>
-              <a:t>Client </a:t>
-            </a:r>
-            <a:r>
-              <a:rPr lang="en-US" sz="2200" dirty="0" smtClean="0"/>
-              <a:t>and Faculty Meetings</a:t>
-            </a:r>
-          </a:p>
-          <a:p>
-            <a:pPr lvl="1"/>
-            <a:r>
-              <a:rPr lang="en-US" sz="2200" dirty="0" smtClean="0"/>
-              <a:t>Projections:</a:t>
-            </a:r>
-          </a:p>
-          <a:p>
-            <a:pPr lvl="2"/>
-            <a:r>
-              <a:rPr lang="en-US" sz="2200" dirty="0" smtClean="0"/>
-              <a:t>Hosting and testing by January 15</a:t>
-            </a:r>
-          </a:p>
           <a:p>
             <a:pPr lvl="1"/>
             <a:endParaRPr lang="en-US" sz="2200" dirty="0"/>
@@ -10086,7 +8973,12 @@
             <p:ph type="title"/>
           </p:nvPr>
         </p:nvSpPr>
-        <p:spPr/>
+        <p:spPr>
+          <a:xfrm>
+            <a:off x="2592925" y="624110"/>
+            <a:ext cx="8911687" cy="1280890"/>
+          </a:xfrm>
+        </p:spPr>
         <p:txBody>
           <a:bodyPr>
             <a:normAutofit/>
@@ -10094,9 +8986,10 @@
           <a:lstStyle/>
           <a:p>
             <a:r>
-              <a:rPr lang="en-US" sz="4000" dirty="0"/>
-              <a:t>Group Website</a:t>
-            </a:r>
+              <a:rPr lang="en-US" sz="4000" dirty="0" smtClean="0"/>
+              <a:t>Architectural Design</a:t>
+            </a:r>
+            <a:endParaRPr lang="en-US" sz="4000" dirty="0"/>
           </a:p>
         </p:txBody>
       </p:sp>
@@ -10113,9 +9006,17 @@
         <p:spPr/>
         <p:txBody>
           <a:bodyPr vert="horz" lIns="91440" tIns="45720" rIns="91440" bIns="45720" rtlCol="0" anchor="t">
-            <a:normAutofit lnSpcReduction="10000"/>
+            <a:normAutofit/>
           </a:bodyPr>
           <a:lstStyle/>
+          <a:p>
+            <a:pPr marL="0" indent="0" algn="ctr">
+              <a:buNone/>
+            </a:pPr>
+            <a:endParaRPr lang="en-US" dirty="0">
+              <a:hlinkClick r:id="rId3"/>
+            </a:endParaRPr>
+          </a:p>
           <a:p>
             <a:pPr marL="0" indent="0" algn="ctr">
               <a:buNone/>
@@ -10152,93 +9053,12 @@
             <a:pPr marL="0" indent="0" algn="ctr">
               <a:buNone/>
             </a:pPr>
-            <a:endParaRPr lang="en-US" dirty="0" smtClean="0">
-              <a:hlinkClick r:id="rId3"/>
-            </a:endParaRPr>
-          </a:p>
-          <a:p>
-            <a:pPr marL="0" indent="0" algn="ctr">
-              <a:buNone/>
-            </a:pPr>
             <a:endParaRPr lang="en-US" dirty="0">
               <a:hlinkClick r:id="rId3"/>
             </a:endParaRPr>
           </a:p>
-          <a:p>
-            <a:pPr marL="0" indent="0" algn="ctr">
-              <a:buNone/>
-            </a:pPr>
-            <a:endParaRPr lang="en-US" dirty="0" smtClean="0">
-              <a:hlinkClick r:id="rId3"/>
-            </a:endParaRPr>
-          </a:p>
-          <a:p>
-            <a:pPr marL="0" indent="0" algn="ctr">
-              <a:buNone/>
-            </a:pPr>
-            <a:endParaRPr lang="en-US" dirty="0">
-              <a:hlinkClick r:id="rId3"/>
-            </a:endParaRPr>
-          </a:p>
-          <a:p>
-            <a:pPr marL="0" indent="0" algn="ctr">
-              <a:buNone/>
-            </a:pPr>
-            <a:endParaRPr lang="en-US" dirty="0" smtClean="0">
-              <a:hlinkClick r:id="rId3"/>
-            </a:endParaRPr>
-          </a:p>
-          <a:p>
-            <a:pPr marL="0" indent="0" algn="ctr">
-              <a:buNone/>
-            </a:pPr>
-            <a:r>
-              <a:rPr lang="en-US" dirty="0" smtClean="0">
-                <a:hlinkClick r:id="rId3"/>
-              </a:rPr>
-              <a:t>http</a:t>
-            </a:r>
-            <a:r>
-              <a:rPr lang="en-US" dirty="0">
-                <a:hlinkClick r:id="rId3"/>
-              </a:rPr>
-              <a:t>://www.caketeamcwu.wix.com/CAKE</a:t>
-            </a:r>
-          </a:p>
-          <a:p>
-            <a:pPr marL="0" indent="0" algn="ctr">
-              <a:buNone/>
-            </a:pPr>
-            <a:endParaRPr lang="en-US" dirty="0" smtClean="0">
-              <a:hlinkClick r:id="rId3"/>
-            </a:endParaRPr>
-          </a:p>
-        </p:txBody>
-      </p:sp>
-      <p:pic>
-        <p:nvPicPr>
-          <p:cNvPr id="4" name="Picture 3"/>
-          <p:cNvPicPr>
-            <a:picLocks noChangeAspect="1"/>
-          </p:cNvPicPr>
-          <p:nvPr/>
-        </p:nvPicPr>
-        <p:blipFill>
-          <a:blip r:embed="rId4"/>
-          <a:stretch>
-            <a:fillRect/>
-          </a:stretch>
-        </p:blipFill>
-        <p:spPr>
-          <a:xfrm>
-            <a:off x="2589212" y="1388535"/>
-            <a:ext cx="8403694" cy="4033308"/>
-          </a:xfrm>
-          <a:prstGeom prst="rect">
-            <a:avLst/>
-          </a:prstGeom>
-        </p:spPr>
-      </p:pic>
+        </p:txBody>
+      </p:sp>
     </p:spTree>
     <p:extLst>
       <p:ext uri="{BB962C8B-B14F-4D97-AF65-F5344CB8AC3E}">
@@ -10295,7 +9115,7 @@
           <a:p>
             <a:r>
               <a:rPr lang="en-US" sz="4000" dirty="0" smtClean="0"/>
-              <a:t>Kanban/Scrum</a:t>
+              <a:t>Module design</a:t>
             </a:r>
             <a:endParaRPr lang="en-US" sz="4000" dirty="0"/>
           </a:p>
@@ -10386,7 +9206,7 @@
           <a:p>
             <a:r>
               <a:rPr lang="en-US" sz="4000" dirty="0" smtClean="0"/>
-              <a:t>Project</a:t>
+              <a:t>Module Example</a:t>
             </a:r>
             <a:endParaRPr lang="en-US" sz="4000" dirty="0"/>
           </a:p>
@@ -10410,71 +9230,10 @@
           <a:lstStyle/>
           <a:p>
             <a:r>
-              <a:rPr lang="en-US" sz="2200" dirty="0"/>
-              <a:t>PIE Project (Personal Interactive Expeditions)</a:t>
-            </a:r>
-          </a:p>
-          <a:p>
-            <a:r>
-              <a:rPr lang="en-US" sz="2200" dirty="0">
-                <a:latin typeface="Century Gothic" charset="0"/>
-              </a:rPr>
-              <a:t>Client: Dr. Yvonne </a:t>
-            </a:r>
-            <a:r>
-              <a:rPr lang="en-US" sz="2200" dirty="0" err="1">
-                <a:latin typeface="Century Gothic" charset="0"/>
-              </a:rPr>
-              <a:t>Chueh</a:t>
-            </a:r>
-            <a:endParaRPr lang="en-US" sz="2200" dirty="0">
-              <a:latin typeface="Century Gothic" charset="0"/>
-            </a:endParaRPr>
-          </a:p>
-          <a:p>
-            <a:r>
-              <a:rPr lang="en-US" sz="2200" dirty="0">
-                <a:latin typeface="Century Gothic" charset="0"/>
-              </a:rPr>
-              <a:t>Faculty Mentor: Dr.  Ed </a:t>
-            </a:r>
-            <a:r>
-              <a:rPr lang="en-US" sz="2200" dirty="0" err="1">
-                <a:latin typeface="Century Gothic" charset="0"/>
-              </a:rPr>
-              <a:t>Lulofs</a:t>
-            </a:r>
-            <a:endParaRPr lang="en-US" sz="2200" dirty="0">
-              <a:latin typeface="Century Gothic" charset="0"/>
-            </a:endParaRPr>
-          </a:p>
-          <a:p>
-            <a:r>
-              <a:rPr lang="en-US" sz="2200" dirty="0"/>
-              <a:t>Goal: To develop a website that will aid the elderly community </a:t>
-            </a:r>
-            <a:r>
               <a:rPr lang="en-US" sz="2200" dirty="0" smtClean="0"/>
-              <a:t>which </a:t>
-            </a:r>
-            <a:r>
-              <a:rPr lang="en-US" sz="2200" dirty="0"/>
-              <a:t>is facing social isolation.</a:t>
-            </a:r>
-          </a:p>
-          <a:p>
-            <a:pPr lvl="1"/>
-            <a:r>
-              <a:rPr lang="en-US" sz="2200" dirty="0"/>
-              <a:t>This site will promote social activities and outings</a:t>
-            </a:r>
-          </a:p>
-          <a:p>
-            <a:pPr lvl="1"/>
-            <a:r>
-              <a:rPr lang="en-US" sz="2200" dirty="0"/>
-              <a:t>The simple design should aid with navigation, scheduling, and more</a:t>
-            </a:r>
+              <a:t>Insert example</a:t>
+            </a:r>
+            <a:endParaRPr lang="en-US" sz="2200" dirty="0"/>
           </a:p>
           <a:p>
             <a:endParaRPr lang="en-US" sz="2200" dirty="0"/>
@@ -10537,7 +9296,7 @@
           <a:p>
             <a:r>
               <a:rPr lang="en-US" sz="4000" dirty="0" smtClean="0"/>
-              <a:t>Challenge</a:t>
+              <a:t>Development Strategy</a:t>
             </a:r>
             <a:endParaRPr lang="en-US" sz="4000" dirty="0"/>
           </a:p>
@@ -10560,22 +9319,6 @@
           </a:bodyPr>
           <a:lstStyle/>
           <a:p>
-            <a:r>
-              <a:rPr lang="en-US" sz="2200" dirty="0" smtClean="0"/>
-              <a:t>Seniors are facing social isolation</a:t>
-            </a:r>
-          </a:p>
-          <a:p>
-            <a:r>
-              <a:rPr lang="en-US" sz="2200" dirty="0" smtClean="0"/>
-              <a:t>No site designed for seniors to engage in social outings</a:t>
-            </a:r>
-          </a:p>
-          <a:p>
-            <a:r>
-              <a:rPr lang="en-US" sz="2200" dirty="0" smtClean="0"/>
-              <a:t>Current sites not tailored to meet challenges of aging community </a:t>
-            </a:r>
             <a:endParaRPr lang="en-US" sz="2200" dirty="0"/>
           </a:p>
         </p:txBody>
@@ -10636,7 +9379,7 @@
           <a:p>
             <a:r>
               <a:rPr lang="en-US" sz="4000" dirty="0" smtClean="0"/>
-              <a:t>Solution</a:t>
+              <a:t>User Interface Rules</a:t>
             </a:r>
             <a:endParaRPr lang="en-US" sz="4000" dirty="0"/>
           </a:p>
@@ -10661,23 +9404,8 @@
           <a:p>
             <a:r>
               <a:rPr lang="en-US" sz="2200" dirty="0" smtClean="0"/>
-              <a:t>Developing a website that encompasses senior social activities locally.</a:t>
-            </a:r>
-          </a:p>
-          <a:p>
-            <a:r>
-              <a:rPr lang="en-US" sz="2200" dirty="0" smtClean="0"/>
-              <a:t>Minimize site learning curve </a:t>
-            </a:r>
-            <a:endParaRPr lang="en-US" sz="2200" dirty="0"/>
-          </a:p>
-          <a:p>
-            <a:r>
-              <a:rPr lang="en-US" sz="2200" dirty="0" smtClean="0"/>
-              <a:t>Connect with local businesses to promote events</a:t>
-            </a:r>
-          </a:p>
-          <a:p>
+              <a:t>Demonstration</a:t>
+            </a:r>
             <a:endParaRPr lang="en-US" sz="2200" dirty="0"/>
           </a:p>
         </p:txBody>
@@ -10738,7 +9466,7 @@
           <a:p>
             <a:r>
               <a:rPr lang="en-US" sz="4000" dirty="0" smtClean="0"/>
-              <a:t>Overview</a:t>
+              <a:t>First Testing Phase</a:t>
             </a:r>
             <a:endParaRPr lang="en-US" sz="4000" dirty="0"/>
           </a:p>
@@ -10761,40 +9489,7 @@
           </a:bodyPr>
           <a:lstStyle/>
           <a:p>
-            <a:r>
-              <a:rPr lang="en-US" sz="2200" dirty="0" smtClean="0"/>
-              <a:t>Project Requirements</a:t>
-            </a:r>
-          </a:p>
-          <a:p>
-            <a:r>
-              <a:rPr lang="en-US" sz="2200" dirty="0" smtClean="0"/>
-              <a:t>Prototype Demo</a:t>
-            </a:r>
-          </a:p>
-          <a:p>
-            <a:r>
-              <a:rPr lang="en-US" sz="2200" dirty="0" smtClean="0"/>
-              <a:t>Quality Assurance Plan</a:t>
-            </a:r>
-          </a:p>
-          <a:p>
-            <a:r>
-              <a:rPr lang="en-US" sz="2200" dirty="0" smtClean="0"/>
-              <a:t>Risk Analysis</a:t>
-            </a:r>
-          </a:p>
-          <a:p>
-            <a:r>
-              <a:rPr lang="en-US" sz="2200" dirty="0" smtClean="0"/>
-              <a:t>Conclusion</a:t>
-            </a:r>
-          </a:p>
-          <a:p>
-            <a:r>
-              <a:rPr lang="en-US" sz="2200" dirty="0" smtClean="0"/>
-              <a:t>Q &amp; A</a:t>
-            </a:r>
+            <a:endParaRPr lang="en-US" sz="2200" dirty="0" smtClean="0"/>
           </a:p>
         </p:txBody>
       </p:sp>

--- a/Presentation/Presentation Two/Presentation Two.pptx
+++ b/Presentation/Presentation Two/Presentation Two.pptx
@@ -9121,35 +9121,39 @@
           </a:p>
         </p:txBody>
       </p:sp>
-      <p:pic>
-        <p:nvPicPr>
-          <p:cNvPr id="4" name="Content Placeholder 3"/>
-          <p:cNvPicPr>
-            <a:picLocks noGrp="1" noChangeAspect="1"/>
-          </p:cNvPicPr>
+      <p:sp>
+        <p:nvSpPr>
+          <p:cNvPr id="3" name="Content Placeholder 2"/>
+          <p:cNvSpPr>
+            <a:spLocks noGrp="1"/>
+          </p:cNvSpPr>
           <p:nvPr>
             <p:ph idx="1"/>
           </p:nvPr>
-        </p:nvPicPr>
-        <p:blipFill>
-          <a:blip r:embed="rId2">
-            <a:extLst>
-              <a:ext uri="{28A0092B-C50C-407E-A947-70E740481C1C}">
-                <a14:useLocalDpi xmlns:a14="http://schemas.microsoft.com/office/drawing/2010/main" val="0"/>
-              </a:ext>
-            </a:extLst>
-          </a:blip>
-          <a:stretch>
-            <a:fillRect/>
-          </a:stretch>
-        </p:blipFill>
-        <p:spPr>
-          <a:xfrm>
-            <a:off x="1507066" y="1264555"/>
-            <a:ext cx="9530777" cy="5576098"/>
-          </a:xfrm>
-        </p:spPr>
-      </p:pic>
+        </p:nvSpPr>
+        <p:spPr/>
+        <p:txBody>
+          <a:bodyPr/>
+          <a:lstStyle/>
+          <a:p>
+            <a:r>
+              <a:rPr lang="en-US" dirty="0" smtClean="0"/>
+              <a:t>Used HTML, PHP, SQL, CSS, and JavaScript</a:t>
+            </a:r>
+          </a:p>
+          <a:p>
+            <a:r>
+              <a:rPr lang="en-US" dirty="0" smtClean="0"/>
+              <a:t>Developed in SublimeText2 </a:t>
+            </a:r>
+            <a:r>
+              <a:rPr lang="en-US" smtClean="0"/>
+              <a:t>and Notepad++</a:t>
+            </a:r>
+            <a:endParaRPr lang="en-US" dirty="0"/>
+          </a:p>
+        </p:txBody>
+      </p:sp>
     </p:spTree>
     <p:extLst>
       <p:ext uri="{BB962C8B-B14F-4D97-AF65-F5344CB8AC3E}">

--- a/Presentation/Presentation Two/Presentation Two.pptx
+++ b/Presentation/Presentation Two/Presentation Two.pptx
@@ -209,7 +209,7 @@
           <a:p>
             <a:fld id="{5B6AB509-4183-4579-9787-242A2BB957B8}" type="datetimeFigureOut">
               <a:rPr lang="en-US"/>
-              <a:t>2/2/2016</a:t>
+              <a:t>2/3/2016</a:t>
             </a:fld>
             <a:endParaRPr lang="en-US"/>
           </a:p>
@@ -940,7 +940,7 @@
             <a:fld id="{B61BEF0D-F0BB-DE4B-95CE-6DB70DBA9567}" type="datetimeFigureOut">
               <a:rPr lang="en-US" dirty="0"/>
               <a:pPr/>
-              <a:t>2/2/2016</a:t>
+              <a:t>2/3/2016</a:t>
             </a:fld>
             <a:endParaRPr lang="en-US" dirty="0"/>
           </a:p>
@@ -1275,7 +1275,7 @@
             <a:fld id="{B61BEF0D-F0BB-DE4B-95CE-6DB70DBA9567}" type="datetimeFigureOut">
               <a:rPr lang="en-US" dirty="0"/>
               <a:pPr/>
-              <a:t>2/2/2016</a:t>
+              <a:t>2/3/2016</a:t>
             </a:fld>
             <a:endParaRPr lang="en-US" dirty="0"/>
           </a:p>
@@ -1673,7 +1673,7 @@
             <a:fld id="{B61BEF0D-F0BB-DE4B-95CE-6DB70DBA9567}" type="datetimeFigureOut">
               <a:rPr lang="en-US" dirty="0"/>
               <a:pPr/>
-              <a:t>2/2/2016</a:t>
+              <a:t>2/3/2016</a:t>
             </a:fld>
             <a:endParaRPr lang="en-US" dirty="0"/>
           </a:p>
@@ -2006,7 +2006,7 @@
             <a:fld id="{B61BEF0D-F0BB-DE4B-95CE-6DB70DBA9567}" type="datetimeFigureOut">
               <a:rPr lang="en-US" dirty="0"/>
               <a:pPr/>
-              <a:t>2/2/2016</a:t>
+              <a:t>2/3/2016</a:t>
             </a:fld>
             <a:endParaRPr lang="en-US" dirty="0"/>
           </a:p>
@@ -2323,7 +2323,7 @@
             <a:fld id="{B61BEF0D-F0BB-DE4B-95CE-6DB70DBA9567}" type="datetimeFigureOut">
               <a:rPr lang="en-US" dirty="0"/>
               <a:pPr/>
-              <a:t>2/2/2016</a:t>
+              <a:t>2/3/2016</a:t>
             </a:fld>
             <a:endParaRPr lang="en-US" dirty="0"/>
           </a:p>
@@ -2716,7 +2716,7 @@
             <a:fld id="{B61BEF0D-F0BB-DE4B-95CE-6DB70DBA9567}" type="datetimeFigureOut">
               <a:rPr lang="en-US" dirty="0"/>
               <a:pPr/>
-              <a:t>2/2/2016</a:t>
+              <a:t>2/3/2016</a:t>
             </a:fld>
             <a:endParaRPr lang="en-US" dirty="0"/>
           </a:p>
@@ -2970,7 +2970,7 @@
             <a:fld id="{B61BEF0D-F0BB-DE4B-95CE-6DB70DBA9567}" type="datetimeFigureOut">
               <a:rPr lang="en-US" dirty="0"/>
               <a:pPr/>
-              <a:t>2/2/2016</a:t>
+              <a:t>2/3/2016</a:t>
             </a:fld>
             <a:endParaRPr lang="en-US" dirty="0"/>
           </a:p>
@@ -3229,7 +3229,7 @@
             <a:fld id="{B61BEF0D-F0BB-DE4B-95CE-6DB70DBA9567}" type="datetimeFigureOut">
               <a:rPr lang="en-US" dirty="0"/>
               <a:pPr/>
-              <a:t>2/2/2016</a:t>
+              <a:t>2/3/2016</a:t>
             </a:fld>
             <a:endParaRPr lang="en-US" dirty="0"/>
           </a:p>
@@ -3488,7 +3488,7 @@
             <a:fld id="{B61BEF0D-F0BB-DE4B-95CE-6DB70DBA9567}" type="datetimeFigureOut">
               <a:rPr lang="en-US" dirty="0"/>
               <a:pPr/>
-              <a:t>2/2/2016</a:t>
+              <a:t>2/3/2016</a:t>
             </a:fld>
             <a:endParaRPr lang="en-US" dirty="0"/>
           </a:p>
@@ -3814,7 +3814,7 @@
             <a:fld id="{B61BEF0D-F0BB-DE4B-95CE-6DB70DBA9567}" type="datetimeFigureOut">
               <a:rPr lang="en-US" dirty="0"/>
               <a:pPr/>
-              <a:t>2/2/2016</a:t>
+              <a:t>2/3/2016</a:t>
             </a:fld>
             <a:endParaRPr lang="en-US" dirty="0"/>
           </a:p>
@@ -4134,7 +4134,7 @@
             <a:fld id="{B61BEF0D-F0BB-DE4B-95CE-6DB70DBA9567}" type="datetimeFigureOut">
               <a:rPr lang="en-US" dirty="0"/>
               <a:pPr/>
-              <a:t>2/2/2016</a:t>
+              <a:t>2/3/2016</a:t>
             </a:fld>
             <a:endParaRPr lang="en-US" dirty="0"/>
           </a:p>
@@ -4588,7 +4588,7 @@
             <a:fld id="{B61BEF0D-F0BB-DE4B-95CE-6DB70DBA9567}" type="datetimeFigureOut">
               <a:rPr lang="en-US" dirty="0"/>
               <a:pPr/>
-              <a:t>2/2/2016</a:t>
+              <a:t>2/3/2016</a:t>
             </a:fld>
             <a:endParaRPr lang="en-US" dirty="0"/>
           </a:p>
@@ -4790,7 +4790,7 @@
             <a:fld id="{B61BEF0D-F0BB-DE4B-95CE-6DB70DBA9567}" type="datetimeFigureOut">
               <a:rPr lang="en-US" dirty="0"/>
               <a:pPr/>
-              <a:t>2/2/2016</a:t>
+              <a:t>2/3/2016</a:t>
             </a:fld>
             <a:endParaRPr lang="en-US" dirty="0"/>
           </a:p>
@@ -4964,7 +4964,7 @@
             <a:fld id="{B61BEF0D-F0BB-DE4B-95CE-6DB70DBA9567}" type="datetimeFigureOut">
               <a:rPr lang="en-US" dirty="0"/>
               <a:pPr/>
-              <a:t>2/2/2016</a:t>
+              <a:t>2/3/2016</a:t>
             </a:fld>
             <a:endParaRPr lang="en-US" dirty="0"/>
           </a:p>
@@ -5294,7 +5294,7 @@
             <a:fld id="{B61BEF0D-F0BB-DE4B-95CE-6DB70DBA9567}" type="datetimeFigureOut">
               <a:rPr lang="en-US" dirty="0"/>
               <a:pPr/>
-              <a:t>2/2/2016</a:t>
+              <a:t>2/3/2016</a:t>
             </a:fld>
             <a:endParaRPr lang="en-US" dirty="0"/>
           </a:p>
@@ -5636,7 +5636,7 @@
             <a:fld id="{B61BEF0D-F0BB-DE4B-95CE-6DB70DBA9567}" type="datetimeFigureOut">
               <a:rPr lang="en-US" dirty="0"/>
               <a:pPr/>
-              <a:t>2/2/2016</a:t>
+              <a:t>2/3/2016</a:t>
             </a:fld>
             <a:endParaRPr lang="en-US" dirty="0"/>
           </a:p>
@@ -7750,7 +7750,7 @@
             <a:fld id="{B61BEF0D-F0BB-DE4B-95CE-6DB70DBA9567}" type="datetimeFigureOut">
               <a:rPr lang="en-US" dirty="0"/>
               <a:pPr/>
-              <a:t>2/2/2016</a:t>
+              <a:t>2/3/2016</a:t>
             </a:fld>
             <a:endParaRPr lang="en-US" dirty="0"/>
           </a:p>
@@ -8796,44 +8796,25 @@
           <a:p>
             <a:r>
               <a:rPr lang="en-US" sz="2200" dirty="0" smtClean="0"/>
-              <a:t>Colin Harrison: </a:t>
-            </a:r>
+              <a:t>Colin Harrison: Documentation/Dev</a:t>
+            </a:r>
+          </a:p>
+          <a:p>
             <a:r>
               <a:rPr lang="en-US" sz="2200" dirty="0" smtClean="0"/>
-              <a:t>Documentation/Dev</a:t>
-            </a:r>
-            <a:endParaRPr lang="en-US" sz="2200" dirty="0" smtClean="0"/>
+              <a:t>Christian McMurtrie: Research/Dev</a:t>
+            </a:r>
           </a:p>
           <a:p>
             <a:r>
               <a:rPr lang="en-US" sz="2200" dirty="0" smtClean="0"/>
-              <a:t>Christian McMurtrie: </a:t>
-            </a:r>
+              <a:t>Tim Nakhisa: Version Control Manager/Dev</a:t>
+            </a:r>
+          </a:p>
+          <a:p>
             <a:r>
               <a:rPr lang="en-US" sz="2200" dirty="0" smtClean="0"/>
-              <a:t>Research/Dev</a:t>
-            </a:r>
-            <a:endParaRPr lang="en-US" sz="2200" dirty="0" smtClean="0"/>
-          </a:p>
-          <a:p>
-            <a:r>
-              <a:rPr lang="en-US" sz="2200" dirty="0" smtClean="0"/>
-              <a:t>Tim Nakhisa: </a:t>
-            </a:r>
-            <a:r>
-              <a:rPr lang="en-US" sz="2200" dirty="0" smtClean="0"/>
-              <a:t>Version Control Manager/Dev</a:t>
-            </a:r>
-            <a:endParaRPr lang="en-US" sz="2200" dirty="0" smtClean="0"/>
-          </a:p>
-          <a:p>
-            <a:r>
-              <a:rPr lang="en-US" sz="2200" dirty="0" smtClean="0"/>
-              <a:t>Zac Rivera: </a:t>
-            </a:r>
-            <a:r>
-              <a:rPr lang="en-US" sz="2200" dirty="0" smtClean="0"/>
-              <a:t>Scrum Master/QA</a:t>
+              <a:t>Zac Rivera: Scrum Master/QA</a:t>
             </a:r>
             <a:endParaRPr lang="en-US" sz="2200" dirty="0"/>
           </a:p>
@@ -8922,6 +8903,42 @@
             <a:endParaRPr lang="en-US" sz="2200" dirty="0"/>
           </a:p>
           <a:p>
+            <a:r>
+              <a:rPr lang="en-US" sz="2200" dirty="0" smtClean="0"/>
+              <a:t>Assist socially isolated individuals</a:t>
+            </a:r>
+          </a:p>
+          <a:p>
+            <a:endParaRPr lang="en-US" sz="2200" dirty="0"/>
+          </a:p>
+          <a:p>
+            <a:r>
+              <a:rPr lang="en-US" sz="2200" dirty="0" smtClean="0"/>
+              <a:t>Easy to use Interface</a:t>
+            </a:r>
+          </a:p>
+          <a:p>
+            <a:endParaRPr lang="en-US" sz="2200" dirty="0"/>
+          </a:p>
+          <a:p>
+            <a:r>
+              <a:rPr lang="en-US" sz="2200" dirty="0" smtClean="0"/>
+              <a:t>Simple Design</a:t>
+            </a:r>
+          </a:p>
+          <a:p>
+            <a:endParaRPr lang="en-US" sz="2200" dirty="0"/>
+          </a:p>
+          <a:p>
+            <a:r>
+              <a:rPr lang="en-US" sz="2200" dirty="0" smtClean="0"/>
+              <a:t>Promote Healthy Life Style</a:t>
+            </a:r>
+          </a:p>
+          <a:p>
+            <a:endParaRPr lang="en-US" sz="2200" dirty="0"/>
+          </a:p>
+          <a:p>
             <a:endParaRPr lang="en-US" sz="2200" dirty="0"/>
           </a:p>
         </p:txBody>
@@ -9059,6 +9076,36 @@
           </a:p>
         </p:txBody>
       </p:sp>
+      <p:pic>
+        <p:nvPicPr>
+          <p:cNvPr id="4" name="Picture 3"/>
+          <p:cNvPicPr>
+            <a:picLocks noChangeAspect="1"/>
+          </p:cNvPicPr>
+          <p:nvPr/>
+        </p:nvPicPr>
+        <p:blipFill>
+          <a:blip r:embed="rId4">
+            <a:extLst>
+              <a:ext uri="{28A0092B-C50C-407E-A947-70E740481C1C}">
+                <a14:useLocalDpi xmlns:a14="http://schemas.microsoft.com/office/drawing/2010/main" val="0"/>
+              </a:ext>
+            </a:extLst>
+          </a:blip>
+          <a:stretch>
+            <a:fillRect/>
+          </a:stretch>
+        </p:blipFill>
+        <p:spPr>
+          <a:xfrm>
+            <a:off x="197707" y="1328626"/>
+            <a:ext cx="11994293" cy="5387570"/>
+          </a:xfrm>
+          <a:prstGeom prst="rect">
+            <a:avLst/>
+          </a:prstGeom>
+        </p:spPr>
+      </p:pic>
     </p:spTree>
     <p:extLst>
       <p:ext uri="{BB962C8B-B14F-4D97-AF65-F5344CB8AC3E}">
